--- a/Test/Presentations/insert_result.pptx
+++ b/Test/Presentations/insert_result.pptx
@@ -3,12 +3,12 @@
 <p:presentation xmlns:a="http://schemas.openxmlformats.org/drawingml/2006/main" xmlns:r="http://schemas.openxmlformats.org/officeDocument/2006/relationships" xmlns:p="http://schemas.openxmlformats.org/presentationml/2006/main" saveSubsetFonts="1">
   <p:sldMasterIdLst>
     <p:sldMasterId id="2147483648" r:id="rId1"/>
-    <p:sldMasterId id="2147483649" r:id="R02d0f99f3a7746f4"/>
+    <p:sldMasterId id="2147483649" r:id="Rf7567eef03214516"/>
   </p:sldMasterIdLst>
   <p:sldIdLst>
     <p:sldId id="256" r:id="rId2"/>
-    <p:sldId id="259" r:id="R8b7e82837fbe4fd0"/>
-    <p:sldId id="260" r:id="Rc77e7447e2fd44c1"/>
+    <p:sldId id="259" r:id="R69a5cae81d4f446c"/>
+    <p:sldId id="260" r:id="R284530b15f25425a"/>
     <p:sldId id="257" r:id="rId3"/>
     <p:sldId id="258" r:id="rId4"/>
   </p:sldIdLst>

--- a/Test/Presentations/insert_result.pptx
+++ b/Test/Presentations/insert_result.pptx
@@ -3,12 +3,12 @@
 <p:presentation xmlns:a="http://schemas.openxmlformats.org/drawingml/2006/main" xmlns:r="http://schemas.openxmlformats.org/officeDocument/2006/relationships" xmlns:p="http://schemas.openxmlformats.org/presentationml/2006/main" saveSubsetFonts="1">
   <p:sldMasterIdLst>
     <p:sldMasterId id="2147483648" r:id="rId1"/>
-    <p:sldMasterId id="2147483649" r:id="Rf7567eef03214516"/>
+    <p:sldMasterId id="2147483649" r:id="Ra76942e25e374d5e"/>
   </p:sldMasterIdLst>
   <p:sldIdLst>
     <p:sldId id="256" r:id="rId2"/>
-    <p:sldId id="259" r:id="R69a5cae81d4f446c"/>
-    <p:sldId id="260" r:id="R284530b15f25425a"/>
+    <p:sldId id="259" r:id="Rc9da06374ad043c3"/>
+    <p:sldId id="260" r:id="Rd1304336ea5d4a92"/>
     <p:sldId id="257" r:id="rId3"/>
     <p:sldId id="258" r:id="rId4"/>
   </p:sldIdLst>

--- a/Test/Presentations/insert_result.pptx
+++ b/Test/Presentations/insert_result.pptx
@@ -3,12 +3,12 @@
 <p:presentation xmlns:a="http://schemas.openxmlformats.org/drawingml/2006/main" xmlns:r="http://schemas.openxmlformats.org/officeDocument/2006/relationships" xmlns:p="http://schemas.openxmlformats.org/presentationml/2006/main" saveSubsetFonts="1">
   <p:sldMasterIdLst>
     <p:sldMasterId id="2147483648" r:id="rId1"/>
-    <p:sldMasterId id="2147483649" r:id="Ra76942e25e374d5e"/>
+    <p:sldMasterId id="2147483649" r:id="Rd616c78a767247bd"/>
   </p:sldMasterIdLst>
   <p:sldIdLst>
     <p:sldId id="256" r:id="rId2"/>
-    <p:sldId id="259" r:id="Rc9da06374ad043c3"/>
-    <p:sldId id="260" r:id="Rd1304336ea5d4a92"/>
+    <p:sldId id="259" r:id="R44d03b837e104019"/>
+    <p:sldId id="260" r:id="R1c35c7d4d23a487a"/>
     <p:sldId id="257" r:id="rId3"/>
     <p:sldId id="258" r:id="rId4"/>
   </p:sldIdLst>

--- a/Test/Presentations/insert_result.pptx
+++ b/Test/Presentations/insert_result.pptx
@@ -3,12 +3,12 @@
 <p:presentation xmlns:a="http://schemas.openxmlformats.org/drawingml/2006/main" xmlns:r="http://schemas.openxmlformats.org/officeDocument/2006/relationships" xmlns:p="http://schemas.openxmlformats.org/presentationml/2006/main" saveSubsetFonts="1">
   <p:sldMasterIdLst>
     <p:sldMasterId id="2147483648" r:id="rId1"/>
-    <p:sldMasterId id="2147483649" r:id="Rd616c78a767247bd"/>
+    <p:sldMasterId id="2147483649" r:id="R60d37f5912634ea0"/>
   </p:sldMasterIdLst>
   <p:sldIdLst>
     <p:sldId id="256" r:id="rId2"/>
-    <p:sldId id="259" r:id="R44d03b837e104019"/>
-    <p:sldId id="260" r:id="R1c35c7d4d23a487a"/>
+    <p:sldId id="259" r:id="Ree21ef44ea6d4f58"/>
+    <p:sldId id="260" r:id="R557813766cc045cf"/>
     <p:sldId id="257" r:id="rId3"/>
     <p:sldId id="258" r:id="rId4"/>
   </p:sldIdLst>

--- a/Test/Presentations/insert_result.pptx
+++ b/Test/Presentations/insert_result.pptx
@@ -3,12 +3,12 @@
 <p:presentation xmlns:a="http://schemas.openxmlformats.org/drawingml/2006/main" xmlns:r="http://schemas.openxmlformats.org/officeDocument/2006/relationships" xmlns:p="http://schemas.openxmlformats.org/presentationml/2006/main" saveSubsetFonts="1">
   <p:sldMasterIdLst>
     <p:sldMasterId id="2147483648" r:id="rId1"/>
-    <p:sldMasterId id="2147483649" r:id="R60d37f5912634ea0"/>
+    <p:sldMasterId id="2147483649" r:id="R8aa65156cf9b4404"/>
   </p:sldMasterIdLst>
   <p:sldIdLst>
     <p:sldId id="256" r:id="rId2"/>
-    <p:sldId id="259" r:id="Ree21ef44ea6d4f58"/>
-    <p:sldId id="260" r:id="R557813766cc045cf"/>
+    <p:sldId id="259" r:id="R30c6755b7ba344df"/>
+    <p:sldId id="260" r:id="R37a6b47230834d62"/>
     <p:sldId id="257" r:id="rId3"/>
     <p:sldId id="258" r:id="rId4"/>
   </p:sldIdLst>

--- a/Test/Presentations/insert_result.pptx
+++ b/Test/Presentations/insert_result.pptx
@@ -3,12 +3,12 @@
 <p:presentation xmlns:a="http://schemas.openxmlformats.org/drawingml/2006/main" xmlns:r="http://schemas.openxmlformats.org/officeDocument/2006/relationships" xmlns:p="http://schemas.openxmlformats.org/presentationml/2006/main" saveSubsetFonts="1">
   <p:sldMasterIdLst>
     <p:sldMasterId id="2147483648" r:id="rId1"/>
-    <p:sldMasterId id="2147483649" r:id="R8aa65156cf9b4404"/>
+    <p:sldMasterId id="2147483649" r:id="R7b5be7453b174b1e"/>
   </p:sldMasterIdLst>
   <p:sldIdLst>
     <p:sldId id="256" r:id="rId2"/>
-    <p:sldId id="259" r:id="R30c6755b7ba344df"/>
-    <p:sldId id="260" r:id="R37a6b47230834d62"/>
+    <p:sldId id="259" r:id="R74da32fa3f1e4265"/>
+    <p:sldId id="260" r:id="R10ecae9f9e504752"/>
     <p:sldId id="257" r:id="rId3"/>
     <p:sldId id="258" r:id="rId4"/>
   </p:sldIdLst>

--- a/Test/Presentations/insert_result.pptx
+++ b/Test/Presentations/insert_result.pptx
@@ -3,12 +3,12 @@
 <p:presentation xmlns:a="http://schemas.openxmlformats.org/drawingml/2006/main" xmlns:r="http://schemas.openxmlformats.org/officeDocument/2006/relationships" xmlns:p="http://schemas.openxmlformats.org/presentationml/2006/main" saveSubsetFonts="1">
   <p:sldMasterIdLst>
     <p:sldMasterId id="2147483648" r:id="rId1"/>
-    <p:sldMasterId id="2147483649" r:id="R7b5be7453b174b1e"/>
+    <p:sldMasterId id="2147483649" r:id="Rd8bdfdbf94a9407a"/>
   </p:sldMasterIdLst>
   <p:sldIdLst>
     <p:sldId id="256" r:id="rId2"/>
-    <p:sldId id="259" r:id="R74da32fa3f1e4265"/>
-    <p:sldId id="260" r:id="R10ecae9f9e504752"/>
+    <p:sldId id="259" r:id="R63dd57e4eecb4629"/>
+    <p:sldId id="260" r:id="R4858474a612c4b1e"/>
     <p:sldId id="257" r:id="rId3"/>
     <p:sldId id="258" r:id="rId4"/>
   </p:sldIdLst>

--- a/Test/Presentations/insert_result.pptx
+++ b/Test/Presentations/insert_result.pptx
@@ -3,12 +3,12 @@
 <p:presentation xmlns:a="http://schemas.openxmlformats.org/drawingml/2006/main" xmlns:r="http://schemas.openxmlformats.org/officeDocument/2006/relationships" xmlns:p="http://schemas.openxmlformats.org/presentationml/2006/main" saveSubsetFonts="1">
   <p:sldMasterIdLst>
     <p:sldMasterId id="2147483648" r:id="rId1"/>
-    <p:sldMasterId id="2147483649" r:id="Rd8bdfdbf94a9407a"/>
+    <p:sldMasterId id="2147483649" r:id="Rceb4b2d4db7449a5"/>
   </p:sldMasterIdLst>
   <p:sldIdLst>
     <p:sldId id="256" r:id="rId2"/>
-    <p:sldId id="259" r:id="R63dd57e4eecb4629"/>
-    <p:sldId id="260" r:id="R4858474a612c4b1e"/>
+    <p:sldId id="259" r:id="R7a560a6c6e7d4c50"/>
+    <p:sldId id="260" r:id="R345130b44ed149be"/>
     <p:sldId id="257" r:id="rId3"/>
     <p:sldId id="258" r:id="rId4"/>
   </p:sldIdLst>

--- a/Test/Presentations/insert_result.pptx
+++ b/Test/Presentations/insert_result.pptx
@@ -3,12 +3,12 @@
 <p:presentation xmlns:a="http://schemas.openxmlformats.org/drawingml/2006/main" xmlns:r="http://schemas.openxmlformats.org/officeDocument/2006/relationships" xmlns:p="http://schemas.openxmlformats.org/presentationml/2006/main" saveSubsetFonts="1">
   <p:sldMasterIdLst>
     <p:sldMasterId id="2147483648" r:id="rId1"/>
-    <p:sldMasterId id="2147483649" r:id="Rceb4b2d4db7449a5"/>
+    <p:sldMasterId id="2147483649" r:id="R67df0c89af744237"/>
   </p:sldMasterIdLst>
   <p:sldIdLst>
     <p:sldId id="256" r:id="rId2"/>
-    <p:sldId id="259" r:id="R7a560a6c6e7d4c50"/>
-    <p:sldId id="260" r:id="R345130b44ed149be"/>
+    <p:sldId id="259" r:id="Re10bc306b5b144af"/>
+    <p:sldId id="260" r:id="R60b64d69532148a5"/>
     <p:sldId id="257" r:id="rId3"/>
     <p:sldId id="258" r:id="rId4"/>
   </p:sldIdLst>

--- a/Test/Presentations/insert_result.pptx
+++ b/Test/Presentations/insert_result.pptx
@@ -3,12 +3,12 @@
 <p:presentation xmlns:a="http://schemas.openxmlformats.org/drawingml/2006/main" xmlns:r="http://schemas.openxmlformats.org/officeDocument/2006/relationships" xmlns:p="http://schemas.openxmlformats.org/presentationml/2006/main" saveSubsetFonts="1">
   <p:sldMasterIdLst>
     <p:sldMasterId id="2147483648" r:id="rId1"/>
-    <p:sldMasterId id="2147483649" r:id="R67df0c89af744237"/>
+    <p:sldMasterId id="2147483649" r:id="R52adcf0df448419d"/>
   </p:sldMasterIdLst>
   <p:sldIdLst>
     <p:sldId id="256" r:id="rId2"/>
-    <p:sldId id="259" r:id="Re10bc306b5b144af"/>
-    <p:sldId id="260" r:id="R60b64d69532148a5"/>
+    <p:sldId id="259" r:id="R44e518ac6d3741c1"/>
+    <p:sldId id="260" r:id="R298601906bd6469b"/>
     <p:sldId id="257" r:id="rId3"/>
     <p:sldId id="258" r:id="rId4"/>
   </p:sldIdLst>

--- a/Test/Presentations/insert_result.pptx
+++ b/Test/Presentations/insert_result.pptx
@@ -3,12 +3,12 @@
 <p:presentation xmlns:a="http://schemas.openxmlformats.org/drawingml/2006/main" xmlns:r="http://schemas.openxmlformats.org/officeDocument/2006/relationships" xmlns:p="http://schemas.openxmlformats.org/presentationml/2006/main" saveSubsetFonts="1">
   <p:sldMasterIdLst>
     <p:sldMasterId id="2147483648" r:id="rId1"/>
-    <p:sldMasterId id="2147483649" r:id="R52adcf0df448419d"/>
+    <p:sldMasterId id="2147483649" r:id="Re13fa9ec2d494f98"/>
   </p:sldMasterIdLst>
   <p:sldIdLst>
     <p:sldId id="256" r:id="rId2"/>
-    <p:sldId id="259" r:id="R44e518ac6d3741c1"/>
-    <p:sldId id="260" r:id="R298601906bd6469b"/>
+    <p:sldId id="259" r:id="R7726edb8a55a4c7d"/>
+    <p:sldId id="260" r:id="R871718fc0ebc4d8c"/>
     <p:sldId id="257" r:id="rId3"/>
     <p:sldId id="258" r:id="rId4"/>
   </p:sldIdLst>

--- a/Test/Presentations/insert_result.pptx
+++ b/Test/Presentations/insert_result.pptx
@@ -3,12 +3,12 @@
 <p:presentation xmlns:a="http://schemas.openxmlformats.org/drawingml/2006/main" xmlns:r="http://schemas.openxmlformats.org/officeDocument/2006/relationships" xmlns:p="http://schemas.openxmlformats.org/presentationml/2006/main" saveSubsetFonts="1">
   <p:sldMasterIdLst>
     <p:sldMasterId id="2147483648" r:id="rId1"/>
-    <p:sldMasterId id="2147483649" r:id="Re13fa9ec2d494f98"/>
+    <p:sldMasterId id="2147483649" r:id="Rf0520169e39244b7"/>
   </p:sldMasterIdLst>
   <p:sldIdLst>
     <p:sldId id="256" r:id="rId2"/>
-    <p:sldId id="259" r:id="R7726edb8a55a4c7d"/>
-    <p:sldId id="260" r:id="R871718fc0ebc4d8c"/>
+    <p:sldId id="259" r:id="R84728300669849cd"/>
+    <p:sldId id="260" r:id="Red3dba1e44f34d81"/>
     <p:sldId id="257" r:id="rId3"/>
     <p:sldId id="258" r:id="rId4"/>
   </p:sldIdLst>

--- a/Test/Presentations/insert_result.pptx
+++ b/Test/Presentations/insert_result.pptx
@@ -3,12 +3,12 @@
 <p:presentation xmlns:a="http://schemas.openxmlformats.org/drawingml/2006/main" xmlns:r="http://schemas.openxmlformats.org/officeDocument/2006/relationships" xmlns:p="http://schemas.openxmlformats.org/presentationml/2006/main" saveSubsetFonts="1">
   <p:sldMasterIdLst>
     <p:sldMasterId id="2147483648" r:id="rId1"/>
-    <p:sldMasterId id="2147483649" r:id="Rf0520169e39244b7"/>
+    <p:sldMasterId id="2147483649" r:id="Rd9557e4c3a4b4e20"/>
   </p:sldMasterIdLst>
   <p:sldIdLst>
     <p:sldId id="256" r:id="rId2"/>
-    <p:sldId id="259" r:id="R84728300669849cd"/>
-    <p:sldId id="260" r:id="Red3dba1e44f34d81"/>
+    <p:sldId id="259" r:id="R10b9ed009e4442de"/>
+    <p:sldId id="260" r:id="R116400864b1847e0"/>
     <p:sldId id="257" r:id="rId3"/>
     <p:sldId id="258" r:id="rId4"/>
   </p:sldIdLst>

--- a/Test/Presentations/insert_result.pptx
+++ b/Test/Presentations/insert_result.pptx
@@ -3,12 +3,12 @@
 <p:presentation xmlns:a="http://schemas.openxmlformats.org/drawingml/2006/main" xmlns:r="http://schemas.openxmlformats.org/officeDocument/2006/relationships" xmlns:p="http://schemas.openxmlformats.org/presentationml/2006/main" saveSubsetFonts="1">
   <p:sldMasterIdLst>
     <p:sldMasterId id="2147483648" r:id="rId1"/>
-    <p:sldMasterId id="2147483649" r:id="Rd9557e4c3a4b4e20"/>
+    <p:sldMasterId id="2147483649" r:id="R1b5da1e9158e45f3"/>
   </p:sldMasterIdLst>
   <p:sldIdLst>
     <p:sldId id="256" r:id="rId2"/>
-    <p:sldId id="259" r:id="R10b9ed009e4442de"/>
-    <p:sldId id="260" r:id="R116400864b1847e0"/>
+    <p:sldId id="259" r:id="Redcdf2089a8e4ecd"/>
+    <p:sldId id="260" r:id="R9611348f593e47ca"/>
     <p:sldId id="257" r:id="rId3"/>
     <p:sldId id="258" r:id="rId4"/>
   </p:sldIdLst>

--- a/Test/Presentations/insert_result.pptx
+++ b/Test/Presentations/insert_result.pptx
@@ -3,12 +3,12 @@
 <p:presentation xmlns:a="http://schemas.openxmlformats.org/drawingml/2006/main" xmlns:r="http://schemas.openxmlformats.org/officeDocument/2006/relationships" xmlns:p="http://schemas.openxmlformats.org/presentationml/2006/main" saveSubsetFonts="1">
   <p:sldMasterIdLst>
     <p:sldMasterId id="2147483648" r:id="rId1"/>
-    <p:sldMasterId id="2147483649" r:id="R1b5da1e9158e45f3"/>
+    <p:sldMasterId id="2147483649" r:id="R12d0cf3383754355"/>
   </p:sldMasterIdLst>
   <p:sldIdLst>
     <p:sldId id="256" r:id="rId2"/>
-    <p:sldId id="259" r:id="Redcdf2089a8e4ecd"/>
-    <p:sldId id="260" r:id="R9611348f593e47ca"/>
+    <p:sldId id="259" r:id="R111d123574b744ad"/>
+    <p:sldId id="260" r:id="Rae8a1920ba3e4dea"/>
     <p:sldId id="257" r:id="rId3"/>
     <p:sldId id="258" r:id="rId4"/>
   </p:sldIdLst>
